--- a/D08b_PPT_Projet.pptx
+++ b/D08b_PPT_Projet.pptx
@@ -15672,7 +15672,7 @@
         <p:spPr>
           <a:xfrm>
             <a:off x="8989477" y="3251200"/>
-            <a:ext cx="4410325" cy="5079998"/>
+            <a:ext cx="6348059" cy="5079998"/>
           </a:xfrm>
         </p:spPr>
         <p:txBody>
@@ -15687,8 +15687,60 @@
               </a:spcBef>
             </a:pPr>
             <a:r>
-              <a:rPr lang="en-US"/>
+              <a:rPr lang="en-US" dirty="0" err="1"/>
               <a:t>Objectifs</a:t>
+            </a:r>
+            <a:endParaRPr lang="en-US" dirty="0"/>
+          </a:p>
+          <a:p>
+            <a:pPr lvl="1" defTabSz="457200">
+              <a:spcBef>
+                <a:spcPts val="1000"/>
+              </a:spcBef>
+            </a:pPr>
+            <a:r>
+              <a:rPr lang="en-US" dirty="0" err="1"/>
+              <a:t>Organiser</a:t>
+            </a:r>
+            <a:r>
+              <a:rPr lang="en-US" dirty="0"/>
+              <a:t> les données de manière </a:t>
+            </a:r>
+            <a:r>
+              <a:rPr lang="en-US" dirty="0" err="1"/>
+              <a:t>structurée</a:t>
+            </a:r>
+            <a:endParaRPr lang="en-US" dirty="0"/>
+          </a:p>
+          <a:p>
+            <a:pPr lvl="1" defTabSz="457200">
+              <a:spcBef>
+                <a:spcPts val="1000"/>
+              </a:spcBef>
+            </a:pPr>
+            <a:r>
+              <a:rPr lang="en-US" dirty="0" err="1"/>
+              <a:t>Faciliter</a:t>
+            </a:r>
+            <a:r>
+              <a:rPr lang="en-US" dirty="0"/>
+              <a:t> les </a:t>
+            </a:r>
+            <a:r>
+              <a:rPr lang="en-US" dirty="0" err="1"/>
+              <a:t>requêtes</a:t>
+            </a:r>
+            <a:r>
+              <a:rPr lang="en-US" dirty="0"/>
+              <a:t> et les </a:t>
+            </a:r>
+            <a:r>
+              <a:rPr lang="en-US" dirty="0" err="1"/>
+              <a:t>opérations</a:t>
+            </a:r>
+            <a:r>
+              <a:rPr lang="en-US" dirty="0"/>
+              <a:t> de gestion</a:t>
             </a:r>
           </a:p>
           <a:p>
@@ -15698,8 +15750,20 @@
               </a:spcBef>
             </a:pPr>
             <a:r>
-              <a:rPr lang="en-US"/>
-              <a:t>Organiser les données de manière structurée</a:t>
+              <a:rPr lang="en-US" dirty="0" err="1"/>
+              <a:t>Garantir</a:t>
+            </a:r>
+            <a:r>
+              <a:rPr lang="en-US" dirty="0"/>
+              <a:t> </a:t>
+            </a:r>
+            <a:r>
+              <a:rPr lang="en-US" dirty="0" err="1"/>
+              <a:t>l’intégrité</a:t>
+            </a:r>
+            <a:r>
+              <a:rPr lang="en-US" dirty="0"/>
+              <a:t> des données</a:t>
             </a:r>
           </a:p>
           <a:p>
@@ -15709,9 +15773,14 @@
               </a:spcBef>
             </a:pPr>
             <a:r>
-              <a:rPr lang="en-US"/>
-              <a:t>Faciliter les requêtes et les opérations de gestion</a:t>
+              <a:rPr lang="en-US" dirty="0"/>
+              <a:t>Assurer la </a:t>
             </a:r>
+            <a:r>
+              <a:rPr lang="en-US" dirty="0" err="1"/>
+              <a:t>scalabilité</a:t>
+            </a:r>
+            <a:endParaRPr lang="en-US" dirty="0"/>
           </a:p>
           <a:p>
             <a:pPr lvl="1" defTabSz="457200">
@@ -15720,30 +15789,12 @@
               </a:spcBef>
             </a:pPr>
             <a:r>
-              <a:rPr lang="en-US"/>
-              <a:t>Garantir l’intégrité des données</a:t>
+              <a:rPr lang="en-US" dirty="0" err="1"/>
+              <a:t>Optimiser</a:t>
             </a:r>
-          </a:p>
-          <a:p>
-            <a:pPr lvl="1" defTabSz="457200">
-              <a:spcBef>
-                <a:spcPts val="1000"/>
-              </a:spcBef>
-            </a:pPr>
             <a:r>
-              <a:rPr lang="en-US"/>
-              <a:t>Assurer la scalabilité</a:t>
-            </a:r>
-          </a:p>
-          <a:p>
-            <a:pPr lvl="1" defTabSz="457200">
-              <a:spcBef>
-                <a:spcPts val="1000"/>
-              </a:spcBef>
-            </a:pPr>
-            <a:r>
-              <a:rPr lang="en-US"/>
-              <a:t>Optimiser les performances</a:t>
+              <a:rPr lang="en-US" dirty="0"/>
+              <a:t> les performances</a:t>
             </a:r>
           </a:p>
         </p:txBody>

--- a/D08b_PPT_Projet.pptx
+++ b/D08b_PPT_Projet.pptx
@@ -16535,7 +16535,7 @@
             <p:ph idx="1"/>
             <p:extLst>
               <p:ext uri="{D42A27DB-BD31-4B8C-83A1-F6EECF244321}">
-                <p14:modId xmlns:p14="http://schemas.microsoft.com/office/powerpoint/2010/main" val="2268633330"/>
+                <p14:modId xmlns:p14="http://schemas.microsoft.com/office/powerpoint/2010/main" val="701025220"/>
               </p:ext>
             </p:extLst>
           </p:nvPr>
@@ -16776,9 +16776,9 @@
                           </a:solidFill>
                           <a:effectLst/>
                         </a:rPr>
-                        <a:t>Fontend</a:t>
+                        <a:t>Frontend</a:t>
                       </a:r>
-                      <a:endParaRPr lang="fr-FR" sz="1600" kern="100">
+                      <a:endParaRPr lang="fr-FR" sz="1600" kern="100" dirty="0">
                         <a:effectLst/>
                         <a:latin typeface="Proxima Nova"/>
                         <a:ea typeface="Proxima Nova"/>
